--- a/doc/project_presentation.pptx
+++ b/doc/project_presentation.pptx
@@ -6,10 +6,11 @@
   </p:sldMasterIdLst>
   <p:sldIdLst>
     <p:sldId id="256" r:id="rId2"/>
-    <p:sldId id="257" r:id="rId3"/>
-    <p:sldId id="258" r:id="rId4"/>
-    <p:sldId id="259" r:id="rId5"/>
-    <p:sldId id="260" r:id="rId6"/>
+    <p:sldId id="259" r:id="rId3"/>
+    <p:sldId id="257" r:id="rId4"/>
+    <p:sldId id="260" r:id="rId5"/>
+    <p:sldId id="258" r:id="rId6"/>
+    <p:sldId id="261" r:id="rId7"/>
   </p:sldIdLst>
   <p:sldSz cx="12192000" cy="6858000"/>
   <p:notesSz cx="6858000" cy="9144000"/>
@@ -108,6 +109,11 @@
       </a:defRPr>
     </a:lvl9pPr>
   </p:defaultTextStyle>
+  <p:extLst>
+    <p:ext uri="{EFAFB233-063F-42B5-8137-9DF3F51BA10A}">
+      <p15:sldGuideLst xmlns:p15="http://schemas.microsoft.com/office/powerpoint/2012/main"/>
+    </p:ext>
+  </p:extLst>
 </p:presentation>
 </file>
 
@@ -258,7 +264,7 @@
           <a:p>
             <a:fld id="{2A2E7ADA-E01F-4AEE-92F1-7B4436F8BAF2}" type="datetimeFigureOut">
               <a:rPr lang="en-US" smtClean="0"/>
-              <a:t>11/25/2018</a:t>
+              <a:t>11/26/2018</a:t>
             </a:fld>
             <a:endParaRPr lang="en-US"/>
           </a:p>
@@ -456,7 +462,7 @@
           <a:p>
             <a:fld id="{2A2E7ADA-E01F-4AEE-92F1-7B4436F8BAF2}" type="datetimeFigureOut">
               <a:rPr lang="en-US" smtClean="0"/>
-              <a:t>11/25/2018</a:t>
+              <a:t>11/26/2018</a:t>
             </a:fld>
             <a:endParaRPr lang="en-US"/>
           </a:p>
@@ -664,7 +670,7 @@
           <a:p>
             <a:fld id="{2A2E7ADA-E01F-4AEE-92F1-7B4436F8BAF2}" type="datetimeFigureOut">
               <a:rPr lang="en-US" smtClean="0"/>
-              <a:t>11/25/2018</a:t>
+              <a:t>11/26/2018</a:t>
             </a:fld>
             <a:endParaRPr lang="en-US"/>
           </a:p>
@@ -862,7 +868,7 @@
           <a:p>
             <a:fld id="{2A2E7ADA-E01F-4AEE-92F1-7B4436F8BAF2}" type="datetimeFigureOut">
               <a:rPr lang="en-US" smtClean="0"/>
-              <a:t>11/25/2018</a:t>
+              <a:t>11/26/2018</a:t>
             </a:fld>
             <a:endParaRPr lang="en-US"/>
           </a:p>
@@ -1137,7 +1143,7 @@
           <a:p>
             <a:fld id="{2A2E7ADA-E01F-4AEE-92F1-7B4436F8BAF2}" type="datetimeFigureOut">
               <a:rPr lang="en-US" smtClean="0"/>
-              <a:t>11/25/2018</a:t>
+              <a:t>11/26/2018</a:t>
             </a:fld>
             <a:endParaRPr lang="en-US"/>
           </a:p>
@@ -1402,7 +1408,7 @@
           <a:p>
             <a:fld id="{2A2E7ADA-E01F-4AEE-92F1-7B4436F8BAF2}" type="datetimeFigureOut">
               <a:rPr lang="en-US" smtClean="0"/>
-              <a:t>11/25/2018</a:t>
+              <a:t>11/26/2018</a:t>
             </a:fld>
             <a:endParaRPr lang="en-US"/>
           </a:p>
@@ -1814,7 +1820,7 @@
           <a:p>
             <a:fld id="{2A2E7ADA-E01F-4AEE-92F1-7B4436F8BAF2}" type="datetimeFigureOut">
               <a:rPr lang="en-US" smtClean="0"/>
-              <a:t>11/25/2018</a:t>
+              <a:t>11/26/2018</a:t>
             </a:fld>
             <a:endParaRPr lang="en-US"/>
           </a:p>
@@ -1955,7 +1961,7 @@
           <a:p>
             <a:fld id="{2A2E7ADA-E01F-4AEE-92F1-7B4436F8BAF2}" type="datetimeFigureOut">
               <a:rPr lang="en-US" smtClean="0"/>
-              <a:t>11/25/2018</a:t>
+              <a:t>11/26/2018</a:t>
             </a:fld>
             <a:endParaRPr lang="en-US"/>
           </a:p>
@@ -2068,7 +2074,7 @@
           <a:p>
             <a:fld id="{2A2E7ADA-E01F-4AEE-92F1-7B4436F8BAF2}" type="datetimeFigureOut">
               <a:rPr lang="en-US" smtClean="0"/>
-              <a:t>11/25/2018</a:t>
+              <a:t>11/26/2018</a:t>
             </a:fld>
             <a:endParaRPr lang="en-US"/>
           </a:p>
@@ -2379,7 +2385,7 @@
           <a:p>
             <a:fld id="{2A2E7ADA-E01F-4AEE-92F1-7B4436F8BAF2}" type="datetimeFigureOut">
               <a:rPr lang="en-US" smtClean="0"/>
-              <a:t>11/25/2018</a:t>
+              <a:t>11/26/2018</a:t>
             </a:fld>
             <a:endParaRPr lang="en-US"/>
           </a:p>
@@ -2667,7 +2673,7 @@
           <a:p>
             <a:fld id="{2A2E7ADA-E01F-4AEE-92F1-7B4436F8BAF2}" type="datetimeFigureOut">
               <a:rPr lang="en-US" smtClean="0"/>
-              <a:t>11/25/2018</a:t>
+              <a:t>11/26/2018</a:t>
             </a:fld>
             <a:endParaRPr lang="en-US"/>
           </a:p>
@@ -2908,7 +2914,7 @@
           <a:p>
             <a:fld id="{2A2E7ADA-E01F-4AEE-92F1-7B4436F8BAF2}" type="datetimeFigureOut">
               <a:rPr lang="en-US" smtClean="0"/>
-              <a:t>11/25/2018</a:t>
+              <a:t>11/26/2018</a:t>
             </a:fld>
             <a:endParaRPr lang="en-US"/>
           </a:p>
@@ -3341,20 +3347,20 @@
             <p:ph type="ctrTitle"/>
           </p:nvPr>
         </p:nvSpPr>
-        <p:spPr/>
+        <p:spPr>
+          <a:xfrm>
+            <a:off x="1523999" y="1041400"/>
+            <a:ext cx="9144000" cy="2387600"/>
+          </a:xfrm>
+        </p:spPr>
         <p:txBody>
           <a:bodyPr/>
           <a:lstStyle/>
           <a:p>
             <a:r>
               <a:rPr lang="en-US" dirty="0"/>
-              <a:t>Simulating </a:t>
-            </a:r>
-            <a:r>
-              <a:rPr lang="en-US"/>
-              <a:t>Music using R</a:t>
-            </a:r>
-            <a:endParaRPr lang="en-US" dirty="0"/>
+              <a:t>Simulating Music using R</a:t>
+            </a:r>
           </a:p>
         </p:txBody>
       </p:sp>
@@ -3376,23 +3382,62 @@
         </p:nvSpPr>
         <p:spPr>
           <a:xfrm>
-            <a:off x="701749" y="4907756"/>
-            <a:ext cx="9966251" cy="1655762"/>
-          </a:xfrm>
-        </p:spPr>
-        <p:txBody>
-          <a:bodyPr/>
-          <a:lstStyle/>
-          <a:p>
-            <a:r>
-              <a:rPr lang="en-US" dirty="0"/>
+            <a:off x="289559" y="4485799"/>
+            <a:ext cx="11612880" cy="2387600"/>
+          </a:xfrm>
+        </p:spPr>
+        <p:txBody>
+          <a:bodyPr>
+            <a:noAutofit/>
+          </a:bodyPr>
+          <a:lstStyle/>
+          <a:p>
+            <a:pPr algn="l"/>
+            <a:r>
+              <a:rPr lang="en-US" sz="3000" dirty="0"/>
+              <a:t>Git repo:</a:t>
+            </a:r>
+          </a:p>
+          <a:p>
+            <a:r>
+              <a:rPr lang="en-US" sz="3000" dirty="0"/>
+              <a:t> https://github.com/ST541-Fall2018/andrealanz-project-musicsim.git</a:t>
+            </a:r>
+          </a:p>
+        </p:txBody>
+      </p:sp>
+      <p:sp>
+        <p:nvSpPr>
+          <p:cNvPr id="4" name="TextBox 3">
+            <a:extLst>
+              <a:ext uri="{FF2B5EF4-FFF2-40B4-BE49-F238E27FC236}">
+                <a16:creationId xmlns:a16="http://schemas.microsoft.com/office/drawing/2014/main" id="{FE09A91F-AD86-4E8B-92F7-51F20B870473}"/>
+              </a:ext>
+            </a:extLst>
+          </p:cNvPr>
+          <p:cNvSpPr txBox="1"/>
+          <p:nvPr/>
+        </p:nvSpPr>
+        <p:spPr>
+          <a:xfrm>
+            <a:off x="4280262" y="3485897"/>
+            <a:ext cx="3631474" cy="646331"/>
+          </a:xfrm>
+          <a:prstGeom prst="rect">
+            <a:avLst/>
+          </a:prstGeom>
+          <a:noFill/>
+        </p:spPr>
+        <p:txBody>
+          <a:bodyPr wrap="square" rtlCol="0">
+            <a:spAutoFit/>
+          </a:bodyPr>
+          <a:lstStyle/>
+          <a:p>
+            <a:pPr algn="ctr"/>
+            <a:r>
+              <a:rPr lang="en-US" sz="3600" dirty="0"/>
               <a:t>Andrea Lanz</a:t>
-            </a:r>
-          </a:p>
-          <a:p>
-            <a:r>
-              <a:rPr lang="en-US" dirty="0"/>
-              <a:t>Git repo: https://github.com/ST541-Fall2018/andrealanz-project-musicsim.git</a:t>
             </a:r>
           </a:p>
         </p:txBody>
@@ -3432,7 +3477,7 @@
           <p:cNvPr id="2" name="Title 1">
             <a:extLst>
               <a:ext uri="{FF2B5EF4-FFF2-40B4-BE49-F238E27FC236}">
-                <a16:creationId xmlns:a16="http://schemas.microsoft.com/office/drawing/2014/main" id="{C82C6DF0-42B1-4E22-A14F-4C5CA5E11A3D}"/>
+                <a16:creationId xmlns:a16="http://schemas.microsoft.com/office/drawing/2014/main" id="{62448994-112A-4020-ADA2-F3597D7D097A}"/>
               </a:ext>
             </a:extLst>
           </p:cNvPr>
@@ -3443,12 +3488,22 @@
             <p:ph type="title"/>
           </p:nvPr>
         </p:nvSpPr>
-        <p:spPr/>
-        <p:txBody>
-          <a:bodyPr/>
-          <a:lstStyle/>
-          <a:p>
-            <a:endParaRPr lang="en-US"/>
+        <p:spPr>
+          <a:xfrm>
+            <a:off x="838200" y="221434"/>
+            <a:ext cx="10515600" cy="1325563"/>
+          </a:xfrm>
+        </p:spPr>
+        <p:txBody>
+          <a:bodyPr/>
+          <a:lstStyle/>
+          <a:p>
+            <a:r>
+              <a:rPr lang="en-US" dirty="0">
+                <a:latin typeface="+mn-lt"/>
+              </a:rPr>
+              <a:t>Purpose/Goals</a:t>
+            </a:r>
           </a:p>
         </p:txBody>
       </p:sp>
@@ -3457,7 +3512,7 @@
           <p:cNvPr id="3" name="Content Placeholder 2">
             <a:extLst>
               <a:ext uri="{FF2B5EF4-FFF2-40B4-BE49-F238E27FC236}">
-                <a16:creationId xmlns:a16="http://schemas.microsoft.com/office/drawing/2014/main" id="{9A7E33D6-8022-4A5D-8465-419F34E8CBD0}"/>
+                <a16:creationId xmlns:a16="http://schemas.microsoft.com/office/drawing/2014/main" id="{9E19A6B7-F2AE-44AF-99A8-B6490F0D6108}"/>
               </a:ext>
             </a:extLst>
           </p:cNvPr>
@@ -3468,19 +3523,74 @@
             <p:ph idx="1"/>
           </p:nvPr>
         </p:nvSpPr>
-        <p:spPr/>
-        <p:txBody>
-          <a:bodyPr/>
-          <a:lstStyle/>
-          <a:p>
-            <a:endParaRPr lang="en-US"/>
+        <p:spPr>
+          <a:xfrm>
+            <a:off x="594360" y="1311865"/>
+            <a:ext cx="10759440" cy="4486275"/>
+          </a:xfrm>
+        </p:spPr>
+        <p:txBody>
+          <a:bodyPr>
+            <a:noAutofit/>
+          </a:bodyPr>
+          <a:lstStyle/>
+          <a:p>
+            <a:r>
+              <a:rPr lang="en-US" sz="3000" dirty="0"/>
+              <a:t>Explore how music is related to numerical information (frequency)</a:t>
+            </a:r>
+          </a:p>
+          <a:p>
+            <a:r>
+              <a:rPr lang="en-US" sz="3000" dirty="0"/>
+              <a:t>Create a formal definition of music</a:t>
+            </a:r>
+          </a:p>
+          <a:p>
+            <a:r>
+              <a:rPr lang="en-US" sz="3000" dirty="0"/>
+              <a:t>Use this definition to simulate music</a:t>
+            </a:r>
+          </a:p>
+          <a:p>
+            <a:endParaRPr lang="en-US" sz="3000" dirty="0"/>
+          </a:p>
+          <a:p>
+            <a:pPr marL="0" indent="0">
+              <a:buNone/>
+            </a:pPr>
+            <a:r>
+              <a:rPr lang="en-US" sz="4400" dirty="0"/>
+              <a:t>  Guiding Questions:</a:t>
+            </a:r>
+          </a:p>
+          <a:p>
+            <a:r>
+              <a:rPr lang="en-US" sz="3000" dirty="0"/>
+              <a:t>Are there properties and patterns in music that can be used to generate it?</a:t>
+            </a:r>
+          </a:p>
+          <a:p>
+            <a:r>
+              <a:rPr lang="en-US" sz="3000" dirty="0"/>
+              <a:t>How can music be expressed in terms of a numerical definition?</a:t>
+            </a:r>
+          </a:p>
+          <a:p>
+            <a:r>
+              <a:rPr lang="en-US" sz="3000" dirty="0"/>
+              <a:t>How can this numerical definition of music be simulated?</a:t>
+            </a:r>
+          </a:p>
+          <a:p>
+            <a:endParaRPr lang="en-US" sz="3000" dirty="0"/>
           </a:p>
         </p:txBody>
       </p:sp>
     </p:spTree>
     <p:extLst>
       <p:ext uri="{BB962C8B-B14F-4D97-AF65-F5344CB8AC3E}">
-        <p14:creationId xmlns:p14="http://schemas.microsoft.com/office/powerpoint/2010/main" val="721559674"/>
+        <p14:creationId xmlns:p14="http://schemas.microsoft.com/office/powerpoint/2010/main" val="3824678842"/>
       </p:ext>
     </p:extLst>
   </p:cSld>
@@ -3512,7 +3622,7 @@
           <p:cNvPr id="2" name="Title 1">
             <a:extLst>
               <a:ext uri="{FF2B5EF4-FFF2-40B4-BE49-F238E27FC236}">
-                <a16:creationId xmlns:a16="http://schemas.microsoft.com/office/drawing/2014/main" id="{29F52E56-D950-480F-A41B-B5B685A9A53C}"/>
+                <a16:creationId xmlns:a16="http://schemas.microsoft.com/office/drawing/2014/main" id="{C82C6DF0-42B1-4E22-A14F-4C5CA5E11A3D}"/>
               </a:ext>
             </a:extLst>
           </p:cNvPr>
@@ -3523,44 +3633,189 @@
             <p:ph type="title"/>
           </p:nvPr>
         </p:nvSpPr>
-        <p:spPr/>
-        <p:txBody>
-          <a:bodyPr/>
-          <a:lstStyle/>
-          <a:p>
-            <a:endParaRPr lang="en-US"/>
-          </a:p>
-        </p:txBody>
-      </p:sp>
-      <p:sp>
-        <p:nvSpPr>
-          <p:cNvPr id="3" name="Content Placeholder 2">
-            <a:extLst>
-              <a:ext uri="{FF2B5EF4-FFF2-40B4-BE49-F238E27FC236}">
-                <a16:creationId xmlns:a16="http://schemas.microsoft.com/office/drawing/2014/main" id="{721F2C1E-E726-48D5-829C-4E7DC0E0798C}"/>
-              </a:ext>
-            </a:extLst>
-          </p:cNvPr>
-          <p:cNvSpPr>
-            <a:spLocks noGrp="1"/>
-          </p:cNvSpPr>
+        <p:spPr>
+          <a:xfrm>
+            <a:off x="563404" y="672013"/>
+            <a:ext cx="10515600" cy="1325563"/>
+          </a:xfrm>
+        </p:spPr>
+        <p:txBody>
+          <a:bodyPr>
+            <a:normAutofit/>
+          </a:bodyPr>
+          <a:lstStyle/>
+          <a:p>
+            <a:r>
+              <a:rPr lang="en-US" sz="5000" b="1" dirty="0" err="1"/>
+              <a:t>LilyPond</a:t>
+            </a:r>
+            <a:endParaRPr lang="en-US" sz="5000" b="1" dirty="0"/>
+          </a:p>
+        </p:txBody>
+      </p:sp>
+      <p:pic>
+        <p:nvPicPr>
+          <p:cNvPr id="9" name="Content Placeholder 8">
+            <a:extLst>
+              <a:ext uri="{FF2B5EF4-FFF2-40B4-BE49-F238E27FC236}">
+                <a16:creationId xmlns:a16="http://schemas.microsoft.com/office/drawing/2014/main" id="{1454563B-8608-48EB-BFD9-260701F63E84}"/>
+              </a:ext>
+            </a:extLst>
+          </p:cNvPr>
+          <p:cNvPicPr>
+            <a:picLocks noGrp="1" noChangeAspect="1"/>
+          </p:cNvPicPr>
           <p:nvPr>
             <p:ph idx="1"/>
           </p:nvPr>
-        </p:nvSpPr>
-        <p:spPr/>
-        <p:txBody>
-          <a:bodyPr/>
-          <a:lstStyle/>
-          <a:p>
-            <a:endParaRPr lang="en-US"/>
+        </p:nvPicPr>
+        <p:blipFill>
+          <a:blip r:embed="rId2">
+            <a:extLst>
+              <a:ext uri="{28A0092B-C50C-407E-A947-70E740481C1C}">
+                <a14:useLocalDpi xmlns:a14="http://schemas.microsoft.com/office/drawing/2010/main" val="0"/>
+              </a:ext>
+            </a:extLst>
+          </a:blip>
+          <a:stretch>
+            <a:fillRect/>
+          </a:stretch>
+        </p:blipFill>
+        <p:spPr>
+          <a:xfrm>
+            <a:off x="838200" y="4933681"/>
+            <a:ext cx="10240804" cy="1924319"/>
+          </a:xfrm>
+        </p:spPr>
+      </p:pic>
+      <p:pic>
+        <p:nvPicPr>
+          <p:cNvPr id="15" name="Picture 14">
+            <a:extLst>
+              <a:ext uri="{FF2B5EF4-FFF2-40B4-BE49-F238E27FC236}">
+                <a16:creationId xmlns:a16="http://schemas.microsoft.com/office/drawing/2014/main" id="{CE61E7AB-06B8-42F6-932C-060510ACB3F0}"/>
+              </a:ext>
+            </a:extLst>
+          </p:cNvPr>
+          <p:cNvPicPr>
+            <a:picLocks noChangeAspect="1"/>
+          </p:cNvPicPr>
+          <p:nvPr/>
+        </p:nvPicPr>
+        <p:blipFill>
+          <a:blip r:embed="rId3">
+            <a:extLst>
+              <a:ext uri="{28A0092B-C50C-407E-A947-70E740481C1C}">
+                <a14:useLocalDpi xmlns:a14="http://schemas.microsoft.com/office/drawing/2010/main" val="0"/>
+              </a:ext>
+            </a:extLst>
+          </a:blip>
+          <a:stretch>
+            <a:fillRect/>
+          </a:stretch>
+        </p:blipFill>
+        <p:spPr>
+          <a:xfrm>
+            <a:off x="719988" y="2228398"/>
+            <a:ext cx="2143125" cy="2143125"/>
+          </a:xfrm>
+          <a:prstGeom prst="rect">
+            <a:avLst/>
+          </a:prstGeom>
+        </p:spPr>
+      </p:pic>
+      <p:pic>
+        <p:nvPicPr>
+          <p:cNvPr id="17" name="Picture 16">
+            <a:extLst>
+              <a:ext uri="{FF2B5EF4-FFF2-40B4-BE49-F238E27FC236}">
+                <a16:creationId xmlns:a16="http://schemas.microsoft.com/office/drawing/2014/main" id="{1AB881E0-93FF-427F-B648-925DFC103E10}"/>
+              </a:ext>
+            </a:extLst>
+          </p:cNvPr>
+          <p:cNvPicPr>
+            <a:picLocks noChangeAspect="1"/>
+          </p:cNvPicPr>
+          <p:nvPr/>
+        </p:nvPicPr>
+        <p:blipFill>
+          <a:blip r:embed="rId4">
+            <a:extLst>
+              <a:ext uri="{28A0092B-C50C-407E-A947-70E740481C1C}">
+                <a14:useLocalDpi xmlns:a14="http://schemas.microsoft.com/office/drawing/2010/main" val="0"/>
+              </a:ext>
+            </a:extLst>
+          </a:blip>
+          <a:stretch>
+            <a:fillRect/>
+          </a:stretch>
+        </p:blipFill>
+        <p:spPr>
+          <a:xfrm>
+            <a:off x="8115300" y="365125"/>
+            <a:ext cx="3378005" cy="4706733"/>
+          </a:xfrm>
+          <a:prstGeom prst="rect">
+            <a:avLst/>
+          </a:prstGeom>
+        </p:spPr>
+      </p:pic>
+      <p:sp>
+        <p:nvSpPr>
+          <p:cNvPr id="18" name="TextBox 17">
+            <a:extLst>
+              <a:ext uri="{FF2B5EF4-FFF2-40B4-BE49-F238E27FC236}">
+                <a16:creationId xmlns:a16="http://schemas.microsoft.com/office/drawing/2014/main" id="{57A20914-1168-4C39-AA51-56F71F134FF6}"/>
+              </a:ext>
+            </a:extLst>
+          </p:cNvPr>
+          <p:cNvSpPr txBox="1"/>
+          <p:nvPr/>
+        </p:nvSpPr>
+        <p:spPr>
+          <a:xfrm>
+            <a:off x="3196539" y="387033"/>
+            <a:ext cx="4585335" cy="4939814"/>
+          </a:xfrm>
+          <a:prstGeom prst="rect">
+            <a:avLst/>
+          </a:prstGeom>
+          <a:noFill/>
+        </p:spPr>
+        <p:txBody>
+          <a:bodyPr wrap="square" rtlCol="0">
+            <a:spAutoFit/>
+          </a:bodyPr>
+          <a:lstStyle/>
+          <a:p>
+            <a:pPr marL="457200" indent="-457200">
+              <a:buFont typeface="Arial" panose="020B0604020202020204" pitchFamily="34" charset="0"/>
+              <a:buChar char="•"/>
+            </a:pPr>
+            <a:r>
+              <a:rPr lang="en-US" sz="3500" dirty="0"/>
+              <a:t>A program that generates sheet music</a:t>
+            </a:r>
+          </a:p>
+          <a:p>
+            <a:pPr marL="457200" indent="-457200">
+              <a:buFont typeface="Arial" panose="020B0604020202020204" pitchFamily="34" charset="0"/>
+              <a:buChar char="•"/>
+            </a:pPr>
+            <a:r>
+              <a:rPr lang="en-US" sz="3500" dirty="0"/>
+              <a:t>Written in text format and compiled to produce .midi, .txt, and a pdf of sheet music (see below)</a:t>
+            </a:r>
+          </a:p>
+          <a:p>
+            <a:endParaRPr lang="en-US" sz="3500" dirty="0"/>
           </a:p>
         </p:txBody>
       </p:sp>
     </p:spTree>
     <p:extLst>
       <p:ext uri="{BB962C8B-B14F-4D97-AF65-F5344CB8AC3E}">
-        <p14:creationId xmlns:p14="http://schemas.microsoft.com/office/powerpoint/2010/main" val="4107590811"/>
+        <p14:creationId xmlns:p14="http://schemas.microsoft.com/office/powerpoint/2010/main" val="721559674"/>
       </p:ext>
     </p:extLst>
   </p:cSld>
@@ -3592,7 +3847,7 @@
           <p:cNvPr id="2" name="Title 1">
             <a:extLst>
               <a:ext uri="{FF2B5EF4-FFF2-40B4-BE49-F238E27FC236}">
-                <a16:creationId xmlns:a16="http://schemas.microsoft.com/office/drawing/2014/main" id="{62448994-112A-4020-ADA2-F3597D7D097A}"/>
+                <a16:creationId xmlns:a16="http://schemas.microsoft.com/office/drawing/2014/main" id="{8593223B-E2C8-4AB0-924F-8690E9305104}"/>
               </a:ext>
             </a:extLst>
           </p:cNvPr>
@@ -3603,44 +3858,305 @@
             <p:ph type="title"/>
           </p:nvPr>
         </p:nvSpPr>
-        <p:spPr/>
-        <p:txBody>
-          <a:bodyPr/>
-          <a:lstStyle/>
-          <a:p>
-            <a:endParaRPr lang="en-US"/>
-          </a:p>
-        </p:txBody>
-      </p:sp>
-      <p:sp>
-        <p:nvSpPr>
-          <p:cNvPr id="3" name="Content Placeholder 2">
-            <a:extLst>
-              <a:ext uri="{FF2B5EF4-FFF2-40B4-BE49-F238E27FC236}">
-                <a16:creationId xmlns:a16="http://schemas.microsoft.com/office/drawing/2014/main" id="{9E19A6B7-F2AE-44AF-99A8-B6490F0D6108}"/>
-              </a:ext>
-            </a:extLst>
-          </p:cNvPr>
-          <p:cNvSpPr>
-            <a:spLocks noGrp="1"/>
-          </p:cNvSpPr>
+        <p:spPr>
+          <a:xfrm>
+            <a:off x="261257" y="229904"/>
+            <a:ext cx="10515600" cy="1018526"/>
+          </a:xfrm>
+        </p:spPr>
+        <p:txBody>
+          <a:bodyPr/>
+          <a:lstStyle/>
+          <a:p>
+            <a:r>
+              <a:rPr lang="en-US" dirty="0"/>
+              <a:t>Method</a:t>
+            </a:r>
+          </a:p>
+        </p:txBody>
+      </p:sp>
+      <p:pic>
+        <p:nvPicPr>
+          <p:cNvPr id="5" name="Content Placeholder 4">
+            <a:extLst>
+              <a:ext uri="{FF2B5EF4-FFF2-40B4-BE49-F238E27FC236}">
+                <a16:creationId xmlns:a16="http://schemas.microsoft.com/office/drawing/2014/main" id="{5D61BC13-41E7-4A9F-B95B-C2FBE10EA61E}"/>
+              </a:ext>
+            </a:extLst>
+          </p:cNvPr>
+          <p:cNvPicPr>
+            <a:picLocks noGrp="1" noChangeAspect="1"/>
+          </p:cNvPicPr>
           <p:nvPr>
             <p:ph idx="1"/>
           </p:nvPr>
-        </p:nvSpPr>
-        <p:spPr/>
-        <p:txBody>
-          <a:bodyPr/>
-          <a:lstStyle/>
-          <a:p>
-            <a:endParaRPr lang="en-US"/>
-          </a:p>
-        </p:txBody>
-      </p:sp>
+        </p:nvPicPr>
+        <p:blipFill>
+          <a:blip r:embed="rId2">
+            <a:extLst>
+              <a:ext uri="{28A0092B-C50C-407E-A947-70E740481C1C}">
+                <a14:useLocalDpi xmlns:a14="http://schemas.microsoft.com/office/drawing/2010/main" val="0"/>
+              </a:ext>
+            </a:extLst>
+          </a:blip>
+          <a:stretch>
+            <a:fillRect/>
+          </a:stretch>
+        </p:blipFill>
+        <p:spPr>
+          <a:xfrm>
+            <a:off x="5033075" y="2390503"/>
+            <a:ext cx="7012128" cy="4467497"/>
+          </a:xfrm>
+        </p:spPr>
+      </p:pic>
+      <p:pic>
+        <p:nvPicPr>
+          <p:cNvPr id="7" name="Picture 6">
+            <a:extLst>
+              <a:ext uri="{FF2B5EF4-FFF2-40B4-BE49-F238E27FC236}">
+                <a16:creationId xmlns:a16="http://schemas.microsoft.com/office/drawing/2014/main" id="{A8A40D28-2CE7-4A11-96A5-C85DDF275D78}"/>
+              </a:ext>
+            </a:extLst>
+          </p:cNvPr>
+          <p:cNvPicPr>
+            <a:picLocks noChangeAspect="1"/>
+          </p:cNvPicPr>
+          <p:nvPr/>
+        </p:nvPicPr>
+        <p:blipFill>
+          <a:blip r:embed="rId3">
+            <a:extLst>
+              <a:ext uri="{28A0092B-C50C-407E-A947-70E740481C1C}">
+                <a14:useLocalDpi xmlns:a14="http://schemas.microsoft.com/office/drawing/2010/main" val="0"/>
+              </a:ext>
+            </a:extLst>
+          </a:blip>
+          <a:stretch>
+            <a:fillRect/>
+          </a:stretch>
+        </p:blipFill>
+        <p:spPr>
+          <a:xfrm>
+            <a:off x="5033075" y="873070"/>
+            <a:ext cx="6743917" cy="998642"/>
+          </a:xfrm>
+          <a:prstGeom prst="rect">
+            <a:avLst/>
+          </a:prstGeom>
+        </p:spPr>
+      </p:pic>
+      <p:sp>
+        <p:nvSpPr>
+          <p:cNvPr id="8" name="TextBox 7">
+            <a:extLst>
+              <a:ext uri="{FF2B5EF4-FFF2-40B4-BE49-F238E27FC236}">
+                <a16:creationId xmlns:a16="http://schemas.microsoft.com/office/drawing/2014/main" id="{A434FB36-BD6B-4BA1-8048-0ECA48210A9E}"/>
+              </a:ext>
+            </a:extLst>
+          </p:cNvPr>
+          <p:cNvSpPr txBox="1"/>
+          <p:nvPr/>
+        </p:nvSpPr>
+        <p:spPr>
+          <a:xfrm>
+            <a:off x="4928573" y="1982230"/>
+            <a:ext cx="4946948" cy="400110"/>
+          </a:xfrm>
+          <a:prstGeom prst="rect">
+            <a:avLst/>
+          </a:prstGeom>
+          <a:noFill/>
+        </p:spPr>
+        <p:txBody>
+          <a:bodyPr wrap="square" rtlCol="0">
+            <a:spAutoFit/>
+          </a:bodyPr>
+          <a:lstStyle/>
+          <a:p>
+            <a:r>
+              <a:rPr lang="en-US" sz="2000" b="1" dirty="0"/>
+              <a:t>Generate a </a:t>
+            </a:r>
+            <a:r>
+              <a:rPr lang="en-US" sz="2000" b="1" dirty="0" err="1"/>
+              <a:t>LilyPond</a:t>
+            </a:r>
+            <a:r>
+              <a:rPr lang="en-US" sz="2000" b="1" dirty="0"/>
+              <a:t> file, given a sample:</a:t>
+            </a:r>
+          </a:p>
+        </p:txBody>
+      </p:sp>
+      <p:sp>
+        <p:nvSpPr>
+          <p:cNvPr id="9" name="TextBox 8">
+            <a:extLst>
+              <a:ext uri="{FF2B5EF4-FFF2-40B4-BE49-F238E27FC236}">
+                <a16:creationId xmlns:a16="http://schemas.microsoft.com/office/drawing/2014/main" id="{22336D6D-5C48-45C1-89C8-D186315C05CB}"/>
+              </a:ext>
+            </a:extLst>
+          </p:cNvPr>
+          <p:cNvSpPr txBox="1"/>
+          <p:nvPr/>
+        </p:nvSpPr>
+        <p:spPr>
+          <a:xfrm>
+            <a:off x="4928573" y="299602"/>
+            <a:ext cx="5639279" cy="400110"/>
+          </a:xfrm>
+          <a:prstGeom prst="rect">
+            <a:avLst/>
+          </a:prstGeom>
+          <a:noFill/>
+        </p:spPr>
+        <p:txBody>
+          <a:bodyPr wrap="square" rtlCol="0">
+            <a:spAutoFit/>
+          </a:bodyPr>
+          <a:lstStyle/>
+          <a:p>
+            <a:r>
+              <a:rPr lang="en-US" sz="2000" b="1" dirty="0"/>
+              <a:t>Generate a random sample of notes:</a:t>
+            </a:r>
+          </a:p>
+        </p:txBody>
+      </p:sp>
+      <p:pic>
+        <p:nvPicPr>
+          <p:cNvPr id="10" name="Content Placeholder 4">
+            <a:extLst>
+              <a:ext uri="{FF2B5EF4-FFF2-40B4-BE49-F238E27FC236}">
+                <a16:creationId xmlns:a16="http://schemas.microsoft.com/office/drawing/2014/main" id="{BEAA347E-7220-4F5C-B87D-012C5C5E6F8E}"/>
+              </a:ext>
+            </a:extLst>
+          </p:cNvPr>
+          <p:cNvPicPr>
+            <a:picLocks noChangeAspect="1"/>
+          </p:cNvPicPr>
+          <p:nvPr/>
+        </p:nvPicPr>
+        <p:blipFill>
+          <a:blip r:embed="rId4">
+            <a:extLst>
+              <a:ext uri="{28A0092B-C50C-407E-A947-70E740481C1C}">
+                <a14:useLocalDpi xmlns:a14="http://schemas.microsoft.com/office/drawing/2010/main" val="0"/>
+              </a:ext>
+            </a:extLst>
+          </a:blip>
+          <a:stretch>
+            <a:fillRect/>
+          </a:stretch>
+        </p:blipFill>
+        <p:spPr>
+          <a:xfrm>
+            <a:off x="356020" y="3156198"/>
+            <a:ext cx="2181665" cy="3471898"/>
+          </a:xfrm>
+          <a:prstGeom prst="rect">
+            <a:avLst/>
+          </a:prstGeom>
+        </p:spPr>
+      </p:pic>
+      <p:sp>
+        <p:nvSpPr>
+          <p:cNvPr id="11" name="TextBox 10">
+            <a:extLst>
+              <a:ext uri="{FF2B5EF4-FFF2-40B4-BE49-F238E27FC236}">
+                <a16:creationId xmlns:a16="http://schemas.microsoft.com/office/drawing/2014/main" id="{3AF6BA82-0E6B-4342-88EC-891866785649}"/>
+              </a:ext>
+            </a:extLst>
+          </p:cNvPr>
+          <p:cNvSpPr txBox="1"/>
+          <p:nvPr/>
+        </p:nvSpPr>
+        <p:spPr>
+          <a:xfrm>
+            <a:off x="146797" y="1248430"/>
+            <a:ext cx="4781776" cy="1862048"/>
+          </a:xfrm>
+          <a:prstGeom prst="rect">
+            <a:avLst/>
+          </a:prstGeom>
+          <a:noFill/>
+        </p:spPr>
+        <p:txBody>
+          <a:bodyPr wrap="square" rtlCol="0">
+            <a:spAutoFit/>
+          </a:bodyPr>
+          <a:lstStyle/>
+          <a:p>
+            <a:pPr marL="285750" indent="-285750">
+              <a:buFont typeface="Arial" panose="020B0604020202020204" pitchFamily="34" charset="0"/>
+              <a:buChar char="•"/>
+            </a:pPr>
+            <a:r>
+              <a:rPr lang="en-US" sz="2300" dirty="0"/>
+              <a:t>Take a random sample from a list of fundamental frequencies tuned to 440 Hz (108 total)</a:t>
+            </a:r>
+          </a:p>
+          <a:p>
+            <a:pPr marL="285750" indent="-285750">
+              <a:buFont typeface="Arial" panose="020B0604020202020204" pitchFamily="34" charset="0"/>
+              <a:buChar char="•"/>
+            </a:pPr>
+            <a:r>
+              <a:rPr lang="en-US" sz="2300" dirty="0"/>
+              <a:t>Using </a:t>
+            </a:r>
+            <a:r>
+              <a:rPr lang="en-US" sz="2300" dirty="0" err="1"/>
+              <a:t>tuneR</a:t>
+            </a:r>
+            <a:r>
+              <a:rPr lang="en-US" sz="2300" dirty="0"/>
+              <a:t> functions, create a lilypond file</a:t>
+            </a:r>
+          </a:p>
+        </p:txBody>
+      </p:sp>
+      <p:pic>
+        <p:nvPicPr>
+          <p:cNvPr id="12" name="Picture 11">
+            <a:extLst>
+              <a:ext uri="{FF2B5EF4-FFF2-40B4-BE49-F238E27FC236}">
+                <a16:creationId xmlns:a16="http://schemas.microsoft.com/office/drawing/2014/main" id="{1A87ED88-0AAF-4CBA-AABE-46C91786F786}"/>
+              </a:ext>
+            </a:extLst>
+          </p:cNvPr>
+          <p:cNvPicPr>
+            <a:picLocks noChangeAspect="1"/>
+          </p:cNvPicPr>
+          <p:nvPr/>
+        </p:nvPicPr>
+        <p:blipFill>
+          <a:blip r:embed="rId5">
+            <a:extLst>
+              <a:ext uri="{28A0092B-C50C-407E-A947-70E740481C1C}">
+                <a14:useLocalDpi xmlns:a14="http://schemas.microsoft.com/office/drawing/2010/main" val="0"/>
+              </a:ext>
+            </a:extLst>
+          </a:blip>
+          <a:stretch>
+            <a:fillRect/>
+          </a:stretch>
+        </p:blipFill>
+        <p:spPr>
+          <a:xfrm>
+            <a:off x="3185953" y="4004072"/>
+            <a:ext cx="1196581" cy="1240358"/>
+          </a:xfrm>
+          <a:prstGeom prst="rect">
+            <a:avLst/>
+          </a:prstGeom>
+        </p:spPr>
+      </p:pic>
     </p:spTree>
     <p:extLst>
       <p:ext uri="{BB962C8B-B14F-4D97-AF65-F5344CB8AC3E}">
-        <p14:creationId xmlns:p14="http://schemas.microsoft.com/office/powerpoint/2010/main" val="3824678842"/>
+        <p14:creationId xmlns:p14="http://schemas.microsoft.com/office/powerpoint/2010/main" val="1522200780"/>
       </p:ext>
     </p:extLst>
   </p:cSld>
@@ -3672,7 +4188,7 @@
           <p:cNvPr id="2" name="Title 1">
             <a:extLst>
               <a:ext uri="{FF2B5EF4-FFF2-40B4-BE49-F238E27FC236}">
-                <a16:creationId xmlns:a16="http://schemas.microsoft.com/office/drawing/2014/main" id="{8593223B-E2C8-4AB0-924F-8690E9305104}"/>
+                <a16:creationId xmlns:a16="http://schemas.microsoft.com/office/drawing/2014/main" id="{29F52E56-D950-480F-A41B-B5B685A9A53C}"/>
               </a:ext>
             </a:extLst>
           </p:cNvPr>
@@ -3683,44 +4199,310 @@
             <p:ph type="title"/>
           </p:nvPr>
         </p:nvSpPr>
-        <p:spPr/>
-        <p:txBody>
-          <a:bodyPr/>
-          <a:lstStyle/>
-          <a:p>
-            <a:endParaRPr lang="en-US"/>
-          </a:p>
-        </p:txBody>
-      </p:sp>
-      <p:sp>
-        <p:nvSpPr>
-          <p:cNvPr id="3" name="Content Placeholder 2">
-            <a:extLst>
-              <a:ext uri="{FF2B5EF4-FFF2-40B4-BE49-F238E27FC236}">
-                <a16:creationId xmlns:a16="http://schemas.microsoft.com/office/drawing/2014/main" id="{1307A9EA-86A8-4716-B2F2-F52D6CD03896}"/>
-              </a:ext>
-            </a:extLst>
-          </p:cNvPr>
-          <p:cNvSpPr>
-            <a:spLocks noGrp="1"/>
-          </p:cNvSpPr>
-          <p:nvPr>
-            <p:ph idx="1"/>
-          </p:nvPr>
-        </p:nvSpPr>
-        <p:spPr/>
-        <p:txBody>
-          <a:bodyPr/>
-          <a:lstStyle/>
-          <a:p>
-            <a:endParaRPr lang="en-US"/>
+        <p:spPr>
+          <a:xfrm>
+            <a:off x="668383" y="184666"/>
+            <a:ext cx="10515600" cy="1325563"/>
+          </a:xfrm>
+        </p:spPr>
+        <p:txBody>
+          <a:bodyPr/>
+          <a:lstStyle/>
+          <a:p>
+            <a:r>
+              <a:rPr lang="en-US" dirty="0"/>
+              <a:t>Results</a:t>
+            </a:r>
+          </a:p>
+        </p:txBody>
+      </p:sp>
+      <p:pic>
+        <p:nvPicPr>
+          <p:cNvPr id="17" name="Picture 16">
+            <a:extLst>
+              <a:ext uri="{FF2B5EF4-FFF2-40B4-BE49-F238E27FC236}">
+                <a16:creationId xmlns:a16="http://schemas.microsoft.com/office/drawing/2014/main" id="{83D59F87-97D1-47CA-9867-2BF8F6E4CDBE}"/>
+              </a:ext>
+            </a:extLst>
+          </p:cNvPr>
+          <p:cNvPicPr>
+            <a:picLocks noChangeAspect="1"/>
+          </p:cNvPicPr>
+          <p:nvPr/>
+        </p:nvPicPr>
+        <p:blipFill>
+          <a:blip r:embed="rId2">
+            <a:extLst>
+              <a:ext uri="{28A0092B-C50C-407E-A947-70E740481C1C}">
+                <a14:useLocalDpi xmlns:a14="http://schemas.microsoft.com/office/drawing/2010/main" val="0"/>
+              </a:ext>
+            </a:extLst>
+          </a:blip>
+          <a:stretch>
+            <a:fillRect/>
+          </a:stretch>
+        </p:blipFill>
+        <p:spPr>
+          <a:xfrm>
+            <a:off x="931216" y="3987450"/>
+            <a:ext cx="10564699" cy="2505425"/>
+          </a:xfrm>
+          <a:prstGeom prst="rect">
+            <a:avLst/>
+          </a:prstGeom>
+        </p:spPr>
+      </p:pic>
+      <p:pic>
+        <p:nvPicPr>
+          <p:cNvPr id="21" name="Picture 20">
+            <a:extLst>
+              <a:ext uri="{FF2B5EF4-FFF2-40B4-BE49-F238E27FC236}">
+                <a16:creationId xmlns:a16="http://schemas.microsoft.com/office/drawing/2014/main" id="{D2F09011-6789-4F6E-8E4A-A0C4F5EC06EE}"/>
+              </a:ext>
+            </a:extLst>
+          </p:cNvPr>
+          <p:cNvPicPr>
+            <a:picLocks noChangeAspect="1"/>
+          </p:cNvPicPr>
+          <p:nvPr/>
+        </p:nvPicPr>
+        <p:blipFill>
+          <a:blip r:embed="rId3">
+            <a:extLst>
+              <a:ext uri="{28A0092B-C50C-407E-A947-70E740481C1C}">
+                <a14:useLocalDpi xmlns:a14="http://schemas.microsoft.com/office/drawing/2010/main" val="0"/>
+              </a:ext>
+            </a:extLst>
+          </a:blip>
+          <a:stretch>
+            <a:fillRect/>
+          </a:stretch>
+        </p:blipFill>
+        <p:spPr>
+          <a:xfrm>
+            <a:off x="931216" y="1694895"/>
+            <a:ext cx="10893028" cy="1692219"/>
+          </a:xfrm>
+          <a:prstGeom prst="rect">
+            <a:avLst/>
+          </a:prstGeom>
+        </p:spPr>
+      </p:pic>
+      <p:sp>
+        <p:nvSpPr>
+          <p:cNvPr id="22" name="TextBox 21">
+            <a:extLst>
+              <a:ext uri="{FF2B5EF4-FFF2-40B4-BE49-F238E27FC236}">
+                <a16:creationId xmlns:a16="http://schemas.microsoft.com/office/drawing/2014/main" id="{495DBDC9-13D6-412D-9A95-513E0CDA069F}"/>
+              </a:ext>
+            </a:extLst>
+          </p:cNvPr>
+          <p:cNvSpPr txBox="1"/>
+          <p:nvPr/>
+        </p:nvSpPr>
+        <p:spPr>
+          <a:xfrm>
+            <a:off x="931216" y="1357102"/>
+            <a:ext cx="3343416" cy="430887"/>
+          </a:xfrm>
+          <a:prstGeom prst="rect">
+            <a:avLst/>
+          </a:prstGeom>
+          <a:noFill/>
+        </p:spPr>
+        <p:txBody>
+          <a:bodyPr wrap="none" rtlCol="0">
+            <a:spAutoFit/>
+          </a:bodyPr>
+          <a:lstStyle/>
+          <a:p>
+            <a:r>
+              <a:rPr lang="en-US" sz="2200" dirty="0"/>
+              <a:t>Randomly generated notes:</a:t>
+            </a:r>
+          </a:p>
+        </p:txBody>
+      </p:sp>
+      <p:sp>
+        <p:nvSpPr>
+          <p:cNvPr id="24" name="TextBox 23">
+            <a:extLst>
+              <a:ext uri="{FF2B5EF4-FFF2-40B4-BE49-F238E27FC236}">
+                <a16:creationId xmlns:a16="http://schemas.microsoft.com/office/drawing/2014/main" id="{1CAB1DF0-509C-4265-9DA8-E2E200F5C6F2}"/>
+              </a:ext>
+            </a:extLst>
+          </p:cNvPr>
+          <p:cNvSpPr txBox="1"/>
+          <p:nvPr/>
+        </p:nvSpPr>
+        <p:spPr>
+          <a:xfrm>
+            <a:off x="931216" y="3756446"/>
+            <a:ext cx="2776658" cy="430887"/>
+          </a:xfrm>
+          <a:prstGeom prst="rect">
+            <a:avLst/>
+          </a:prstGeom>
+          <a:noFill/>
+        </p:spPr>
+        <p:txBody>
+          <a:bodyPr wrap="none" rtlCol="0">
+            <a:spAutoFit/>
+          </a:bodyPr>
+          <a:lstStyle/>
+          <a:p>
+            <a:r>
+              <a:rPr lang="en-US" sz="2200" dirty="0"/>
+              <a:t>Notes for “Ode To Joy”</a:t>
+            </a:r>
           </a:p>
         </p:txBody>
       </p:sp>
     </p:spTree>
     <p:extLst>
       <p:ext uri="{BB962C8B-B14F-4D97-AF65-F5344CB8AC3E}">
-        <p14:creationId xmlns:p14="http://schemas.microsoft.com/office/powerpoint/2010/main" val="1522200780"/>
+        <p14:creationId xmlns:p14="http://schemas.microsoft.com/office/powerpoint/2010/main" val="4107590811"/>
+      </p:ext>
+    </p:extLst>
+  </p:cSld>
+  <p:clrMapOvr>
+    <a:masterClrMapping/>
+  </p:clrMapOvr>
+</p:sld>
+</file>
+
+<file path=ppt/slides/slide6.xml><?xml version="1.0" encoding="utf-8"?>
+<p:sld xmlns:a="http://schemas.openxmlformats.org/drawingml/2006/main" xmlns:r="http://schemas.openxmlformats.org/officeDocument/2006/relationships" xmlns:p="http://schemas.openxmlformats.org/presentationml/2006/main">
+  <p:cSld>
+    <p:spTree>
+      <p:nvGrpSpPr>
+        <p:cNvPr id="1" name=""/>
+        <p:cNvGrpSpPr/>
+        <p:nvPr/>
+      </p:nvGrpSpPr>
+      <p:grpSpPr>
+        <a:xfrm>
+          <a:off x="0" y="0"/>
+          <a:ext cx="0" cy="0"/>
+          <a:chOff x="0" y="0"/>
+          <a:chExt cx="0" cy="0"/>
+        </a:xfrm>
+      </p:grpSpPr>
+      <p:sp>
+        <p:nvSpPr>
+          <p:cNvPr id="2" name="Title 1">
+            <a:extLst>
+              <a:ext uri="{FF2B5EF4-FFF2-40B4-BE49-F238E27FC236}">
+                <a16:creationId xmlns:a16="http://schemas.microsoft.com/office/drawing/2014/main" id="{D4B25D5A-2A9E-42B5-BA26-9DD11C16A82E}"/>
+              </a:ext>
+            </a:extLst>
+          </p:cNvPr>
+          <p:cNvSpPr>
+            <a:spLocks noGrp="1"/>
+          </p:cNvSpPr>
+          <p:nvPr>
+            <p:ph type="ctrTitle"/>
+          </p:nvPr>
+        </p:nvSpPr>
+        <p:spPr>
+          <a:xfrm>
+            <a:off x="1523999" y="1041400"/>
+            <a:ext cx="9144000" cy="2387600"/>
+          </a:xfrm>
+        </p:spPr>
+        <p:txBody>
+          <a:bodyPr/>
+          <a:lstStyle/>
+          <a:p>
+            <a:r>
+              <a:rPr lang="en-US" dirty="0"/>
+              <a:t>Simulating Music using R</a:t>
+            </a:r>
+          </a:p>
+        </p:txBody>
+      </p:sp>
+      <p:sp>
+        <p:nvSpPr>
+          <p:cNvPr id="3" name="Subtitle 2">
+            <a:extLst>
+              <a:ext uri="{FF2B5EF4-FFF2-40B4-BE49-F238E27FC236}">
+                <a16:creationId xmlns:a16="http://schemas.microsoft.com/office/drawing/2014/main" id="{F803A431-31DA-40AD-8ED5-DA63A07A9C2F}"/>
+              </a:ext>
+            </a:extLst>
+          </p:cNvPr>
+          <p:cNvSpPr>
+            <a:spLocks noGrp="1"/>
+          </p:cNvSpPr>
+          <p:nvPr>
+            <p:ph type="subTitle" idx="1"/>
+          </p:nvPr>
+        </p:nvSpPr>
+        <p:spPr>
+          <a:xfrm>
+            <a:off x="289559" y="4485799"/>
+            <a:ext cx="11612880" cy="2387600"/>
+          </a:xfrm>
+        </p:spPr>
+        <p:txBody>
+          <a:bodyPr>
+            <a:noAutofit/>
+          </a:bodyPr>
+          <a:lstStyle/>
+          <a:p>
+            <a:pPr algn="l"/>
+            <a:r>
+              <a:rPr lang="en-US" sz="3000" dirty="0"/>
+              <a:t>Git repo:</a:t>
+            </a:r>
+          </a:p>
+          <a:p>
+            <a:r>
+              <a:rPr lang="en-US" sz="3000" dirty="0"/>
+              <a:t> https://github.com/ST541-Fall2018/andrealanz-project-musicsim.git</a:t>
+            </a:r>
+          </a:p>
+        </p:txBody>
+      </p:sp>
+      <p:sp>
+        <p:nvSpPr>
+          <p:cNvPr id="4" name="TextBox 3">
+            <a:extLst>
+              <a:ext uri="{FF2B5EF4-FFF2-40B4-BE49-F238E27FC236}">
+                <a16:creationId xmlns:a16="http://schemas.microsoft.com/office/drawing/2014/main" id="{FE09A91F-AD86-4E8B-92F7-51F20B870473}"/>
+              </a:ext>
+            </a:extLst>
+          </p:cNvPr>
+          <p:cNvSpPr txBox="1"/>
+          <p:nvPr/>
+        </p:nvSpPr>
+        <p:spPr>
+          <a:xfrm>
+            <a:off x="4280262" y="3485897"/>
+            <a:ext cx="3631474" cy="646331"/>
+          </a:xfrm>
+          <a:prstGeom prst="rect">
+            <a:avLst/>
+          </a:prstGeom>
+          <a:noFill/>
+        </p:spPr>
+        <p:txBody>
+          <a:bodyPr wrap="square" rtlCol="0">
+            <a:spAutoFit/>
+          </a:bodyPr>
+          <a:lstStyle/>
+          <a:p>
+            <a:pPr algn="ctr"/>
+            <a:r>
+              <a:rPr lang="en-US" sz="3600" dirty="0"/>
+              <a:t>Andrea Lanz</a:t>
+            </a:r>
+          </a:p>
+        </p:txBody>
+      </p:sp>
+    </p:spTree>
+    <p:extLst>
+      <p:ext uri="{BB962C8B-B14F-4D97-AF65-F5344CB8AC3E}">
+        <p14:creationId xmlns:p14="http://schemas.microsoft.com/office/powerpoint/2010/main" val="985801709"/>
       </p:ext>
     </p:extLst>
   </p:cSld>

--- a/doc/project_presentation.pptx
+++ b/doc/project_presentation.pptx
@@ -10,7 +10,6 @@
     <p:sldId id="257" r:id="rId4"/>
     <p:sldId id="260" r:id="rId5"/>
     <p:sldId id="258" r:id="rId6"/>
-    <p:sldId id="261" r:id="rId7"/>
   </p:sldIdLst>
   <p:sldSz cx="12192000" cy="6858000"/>
   <p:notesSz cx="6858000" cy="9144000"/>
@@ -264,7 +263,7 @@
           <a:p>
             <a:fld id="{2A2E7ADA-E01F-4AEE-92F1-7B4436F8BAF2}" type="datetimeFigureOut">
               <a:rPr lang="en-US" smtClean="0"/>
-              <a:t>11/26/2018</a:t>
+              <a:t>11/27/2018</a:t>
             </a:fld>
             <a:endParaRPr lang="en-US"/>
           </a:p>
@@ -462,7 +461,7 @@
           <a:p>
             <a:fld id="{2A2E7ADA-E01F-4AEE-92F1-7B4436F8BAF2}" type="datetimeFigureOut">
               <a:rPr lang="en-US" smtClean="0"/>
-              <a:t>11/26/2018</a:t>
+              <a:t>11/27/2018</a:t>
             </a:fld>
             <a:endParaRPr lang="en-US"/>
           </a:p>
@@ -670,7 +669,7 @@
           <a:p>
             <a:fld id="{2A2E7ADA-E01F-4AEE-92F1-7B4436F8BAF2}" type="datetimeFigureOut">
               <a:rPr lang="en-US" smtClean="0"/>
-              <a:t>11/26/2018</a:t>
+              <a:t>11/27/2018</a:t>
             </a:fld>
             <a:endParaRPr lang="en-US"/>
           </a:p>
@@ -868,7 +867,7 @@
           <a:p>
             <a:fld id="{2A2E7ADA-E01F-4AEE-92F1-7B4436F8BAF2}" type="datetimeFigureOut">
               <a:rPr lang="en-US" smtClean="0"/>
-              <a:t>11/26/2018</a:t>
+              <a:t>11/27/2018</a:t>
             </a:fld>
             <a:endParaRPr lang="en-US"/>
           </a:p>
@@ -1143,7 +1142,7 @@
           <a:p>
             <a:fld id="{2A2E7ADA-E01F-4AEE-92F1-7B4436F8BAF2}" type="datetimeFigureOut">
               <a:rPr lang="en-US" smtClean="0"/>
-              <a:t>11/26/2018</a:t>
+              <a:t>11/27/2018</a:t>
             </a:fld>
             <a:endParaRPr lang="en-US"/>
           </a:p>
@@ -1408,7 +1407,7 @@
           <a:p>
             <a:fld id="{2A2E7ADA-E01F-4AEE-92F1-7B4436F8BAF2}" type="datetimeFigureOut">
               <a:rPr lang="en-US" smtClean="0"/>
-              <a:t>11/26/2018</a:t>
+              <a:t>11/27/2018</a:t>
             </a:fld>
             <a:endParaRPr lang="en-US"/>
           </a:p>
@@ -1820,7 +1819,7 @@
           <a:p>
             <a:fld id="{2A2E7ADA-E01F-4AEE-92F1-7B4436F8BAF2}" type="datetimeFigureOut">
               <a:rPr lang="en-US" smtClean="0"/>
-              <a:t>11/26/2018</a:t>
+              <a:t>11/27/2018</a:t>
             </a:fld>
             <a:endParaRPr lang="en-US"/>
           </a:p>
@@ -1961,7 +1960,7 @@
           <a:p>
             <a:fld id="{2A2E7ADA-E01F-4AEE-92F1-7B4436F8BAF2}" type="datetimeFigureOut">
               <a:rPr lang="en-US" smtClean="0"/>
-              <a:t>11/26/2018</a:t>
+              <a:t>11/27/2018</a:t>
             </a:fld>
             <a:endParaRPr lang="en-US"/>
           </a:p>
@@ -2074,7 +2073,7 @@
           <a:p>
             <a:fld id="{2A2E7ADA-E01F-4AEE-92F1-7B4436F8BAF2}" type="datetimeFigureOut">
               <a:rPr lang="en-US" smtClean="0"/>
-              <a:t>11/26/2018</a:t>
+              <a:t>11/27/2018</a:t>
             </a:fld>
             <a:endParaRPr lang="en-US"/>
           </a:p>
@@ -2385,7 +2384,7 @@
           <a:p>
             <a:fld id="{2A2E7ADA-E01F-4AEE-92F1-7B4436F8BAF2}" type="datetimeFigureOut">
               <a:rPr lang="en-US" smtClean="0"/>
-              <a:t>11/26/2018</a:t>
+              <a:t>11/27/2018</a:t>
             </a:fld>
             <a:endParaRPr lang="en-US"/>
           </a:p>
@@ -2673,7 +2672,7 @@
           <a:p>
             <a:fld id="{2A2E7ADA-E01F-4AEE-92F1-7B4436F8BAF2}" type="datetimeFigureOut">
               <a:rPr lang="en-US" smtClean="0"/>
-              <a:t>11/26/2018</a:t>
+              <a:t>11/27/2018</a:t>
             </a:fld>
             <a:endParaRPr lang="en-US"/>
           </a:p>
@@ -2914,7 +2913,7 @@
           <a:p>
             <a:fld id="{2A2E7ADA-E01F-4AEE-92F1-7B4436F8BAF2}" type="datetimeFigureOut">
               <a:rPr lang="en-US" smtClean="0"/>
-              <a:t>11/26/2018</a:t>
+              <a:t>11/27/2018</a:t>
             </a:fld>
             <a:endParaRPr lang="en-US"/>
           </a:p>
@@ -4280,7 +4279,7 @@
         </p:blipFill>
         <p:spPr>
           <a:xfrm>
-            <a:off x="931216" y="1694895"/>
+            <a:off x="931216" y="2114315"/>
             <a:ext cx="10893028" cy="1692219"/>
           </a:xfrm>
           <a:prstGeom prst="rect">
@@ -4302,8 +4301,8 @@
         </p:nvSpPr>
         <p:spPr>
           <a:xfrm>
-            <a:off x="931216" y="1357102"/>
-            <a:ext cx="3343416" cy="430887"/>
+            <a:off x="668383" y="1427552"/>
+            <a:ext cx="11608306" cy="769441"/>
           </a:xfrm>
           <a:prstGeom prst="rect">
             <a:avLst/>
@@ -4321,6 +4320,18 @@
               <a:t>Randomly generated notes:</a:t>
             </a:r>
           </a:p>
+          <a:p>
+            <a:r>
+              <a:rPr lang="en-US" sz="2200" dirty="0">
+                <a:hlinkClick r:id="rId4"/>
+              </a:rPr>
+              <a:t>https://github.com/ST541-Fall2018/andrealanz-project-musicsim/blob/master/data/my_song.mp3</a:t>
+            </a:r>
+            <a:r>
+              <a:rPr lang="en-US" sz="2200" dirty="0"/>
+              <a:t> </a:t>
+            </a:r>
+          </a:p>
         </p:txBody>
       </p:sp>
       <p:sp>
@@ -4337,7 +4348,7 @@
         </p:nvSpPr>
         <p:spPr>
           <a:xfrm>
-            <a:off x="931216" y="3756446"/>
+            <a:off x="696085" y="3763981"/>
             <a:ext cx="2776658" cy="430887"/>
           </a:xfrm>
           <a:prstGeom prst="rect">
@@ -4362,147 +4373,6 @@
     <p:extLst>
       <p:ext uri="{BB962C8B-B14F-4D97-AF65-F5344CB8AC3E}">
         <p14:creationId xmlns:p14="http://schemas.microsoft.com/office/powerpoint/2010/main" val="4107590811"/>
-      </p:ext>
-    </p:extLst>
-  </p:cSld>
-  <p:clrMapOvr>
-    <a:masterClrMapping/>
-  </p:clrMapOvr>
-</p:sld>
-</file>
-
-<file path=ppt/slides/slide6.xml><?xml version="1.0" encoding="utf-8"?>
-<p:sld xmlns:a="http://schemas.openxmlformats.org/drawingml/2006/main" xmlns:r="http://schemas.openxmlformats.org/officeDocument/2006/relationships" xmlns:p="http://schemas.openxmlformats.org/presentationml/2006/main">
-  <p:cSld>
-    <p:spTree>
-      <p:nvGrpSpPr>
-        <p:cNvPr id="1" name=""/>
-        <p:cNvGrpSpPr/>
-        <p:nvPr/>
-      </p:nvGrpSpPr>
-      <p:grpSpPr>
-        <a:xfrm>
-          <a:off x="0" y="0"/>
-          <a:ext cx="0" cy="0"/>
-          <a:chOff x="0" y="0"/>
-          <a:chExt cx="0" cy="0"/>
-        </a:xfrm>
-      </p:grpSpPr>
-      <p:sp>
-        <p:nvSpPr>
-          <p:cNvPr id="2" name="Title 1">
-            <a:extLst>
-              <a:ext uri="{FF2B5EF4-FFF2-40B4-BE49-F238E27FC236}">
-                <a16:creationId xmlns:a16="http://schemas.microsoft.com/office/drawing/2014/main" id="{D4B25D5A-2A9E-42B5-BA26-9DD11C16A82E}"/>
-              </a:ext>
-            </a:extLst>
-          </p:cNvPr>
-          <p:cNvSpPr>
-            <a:spLocks noGrp="1"/>
-          </p:cNvSpPr>
-          <p:nvPr>
-            <p:ph type="ctrTitle"/>
-          </p:nvPr>
-        </p:nvSpPr>
-        <p:spPr>
-          <a:xfrm>
-            <a:off x="1523999" y="1041400"/>
-            <a:ext cx="9144000" cy="2387600"/>
-          </a:xfrm>
-        </p:spPr>
-        <p:txBody>
-          <a:bodyPr/>
-          <a:lstStyle/>
-          <a:p>
-            <a:r>
-              <a:rPr lang="en-US" dirty="0"/>
-              <a:t>Simulating Music using R</a:t>
-            </a:r>
-          </a:p>
-        </p:txBody>
-      </p:sp>
-      <p:sp>
-        <p:nvSpPr>
-          <p:cNvPr id="3" name="Subtitle 2">
-            <a:extLst>
-              <a:ext uri="{FF2B5EF4-FFF2-40B4-BE49-F238E27FC236}">
-                <a16:creationId xmlns:a16="http://schemas.microsoft.com/office/drawing/2014/main" id="{F803A431-31DA-40AD-8ED5-DA63A07A9C2F}"/>
-              </a:ext>
-            </a:extLst>
-          </p:cNvPr>
-          <p:cNvSpPr>
-            <a:spLocks noGrp="1"/>
-          </p:cNvSpPr>
-          <p:nvPr>
-            <p:ph type="subTitle" idx="1"/>
-          </p:nvPr>
-        </p:nvSpPr>
-        <p:spPr>
-          <a:xfrm>
-            <a:off x="289559" y="4485799"/>
-            <a:ext cx="11612880" cy="2387600"/>
-          </a:xfrm>
-        </p:spPr>
-        <p:txBody>
-          <a:bodyPr>
-            <a:noAutofit/>
-          </a:bodyPr>
-          <a:lstStyle/>
-          <a:p>
-            <a:pPr algn="l"/>
-            <a:r>
-              <a:rPr lang="en-US" sz="3000" dirty="0"/>
-              <a:t>Git repo:</a:t>
-            </a:r>
-          </a:p>
-          <a:p>
-            <a:r>
-              <a:rPr lang="en-US" sz="3000" dirty="0"/>
-              <a:t> https://github.com/ST541-Fall2018/andrealanz-project-musicsim.git</a:t>
-            </a:r>
-          </a:p>
-        </p:txBody>
-      </p:sp>
-      <p:sp>
-        <p:nvSpPr>
-          <p:cNvPr id="4" name="TextBox 3">
-            <a:extLst>
-              <a:ext uri="{FF2B5EF4-FFF2-40B4-BE49-F238E27FC236}">
-                <a16:creationId xmlns:a16="http://schemas.microsoft.com/office/drawing/2014/main" id="{FE09A91F-AD86-4E8B-92F7-51F20B870473}"/>
-              </a:ext>
-            </a:extLst>
-          </p:cNvPr>
-          <p:cNvSpPr txBox="1"/>
-          <p:nvPr/>
-        </p:nvSpPr>
-        <p:spPr>
-          <a:xfrm>
-            <a:off x="4280262" y="3485897"/>
-            <a:ext cx="3631474" cy="646331"/>
-          </a:xfrm>
-          <a:prstGeom prst="rect">
-            <a:avLst/>
-          </a:prstGeom>
-          <a:noFill/>
-        </p:spPr>
-        <p:txBody>
-          <a:bodyPr wrap="square" rtlCol="0">
-            <a:spAutoFit/>
-          </a:bodyPr>
-          <a:lstStyle/>
-          <a:p>
-            <a:pPr algn="ctr"/>
-            <a:r>
-              <a:rPr lang="en-US" sz="3600" dirty="0"/>
-              <a:t>Andrea Lanz</a:t>
-            </a:r>
-          </a:p>
-        </p:txBody>
-      </p:sp>
-    </p:spTree>
-    <p:extLst>
-      <p:ext uri="{BB962C8B-B14F-4D97-AF65-F5344CB8AC3E}">
-        <p14:creationId xmlns:p14="http://schemas.microsoft.com/office/powerpoint/2010/main" val="985801709"/>
       </p:ext>
     </p:extLst>
   </p:cSld>

--- a/doc/project_presentation.pptx
+++ b/doc/project_presentation.pptx
@@ -4302,7 +4302,7 @@
         <p:spPr>
           <a:xfrm>
             <a:off x="668383" y="1427552"/>
-            <a:ext cx="11608306" cy="769441"/>
+            <a:ext cx="11401519" cy="769441"/>
           </a:xfrm>
           <a:prstGeom prst="rect">
             <a:avLst/>
@@ -4325,12 +4325,9 @@
               <a:rPr lang="en-US" sz="2200" dirty="0">
                 <a:hlinkClick r:id="rId4"/>
               </a:rPr>
-              <a:t>https://github.com/ST541-Fall2018/andrealanz-project-musicsim/blob/master/data/my_song.mp3</a:t>
-            </a:r>
-            <a:r>
-              <a:rPr lang="en-US" sz="2200" dirty="0"/>
-              <a:t> </a:t>
-            </a:r>
+              <a:t>https://github.com/ST541-Fall2018/andrealanz-project-musicsim/blob/master/data/my_song.mid</a:t>
+            </a:r>
+            <a:endParaRPr lang="en-US" sz="2200" dirty="0"/>
           </a:p>
         </p:txBody>
       </p:sp>
